--- a/2025-11-04.UniBS - SQL Injection crash(ed) course.pptx
+++ b/2025-11-04.UniBS - SQL Injection crash(ed) course.pptx
@@ -14121,7 +14121,6 @@
               <a:rPr lang="en" dirty="0"/>
               <a:t>Alberto Turelli</a:t>
             </a:r>
-            <a:endParaRPr dirty="0"/>
           </a:p>
           <a:p>
             <a:pPr marL="0" lvl="0" indent="0" algn="ctr" rtl="0">
@@ -14134,20 +14133,10 @@
               <a:buNone/>
             </a:pPr>
             <a:r>
-              <a:rPr lang="en" dirty="0">
-                <a:latin typeface="Barlow Condensed SemiBold"/>
-                <a:ea typeface="Barlow Condensed SemiBold"/>
-                <a:cs typeface="Barlow Condensed SemiBold"/>
-                <a:sym typeface="Barlow Condensed SemiBold"/>
-              </a:rPr>
-              <a:t>Università degli Studi di Brescia</a:t>
-            </a:r>
-            <a:endParaRPr dirty="0">
-              <a:latin typeface="Barlow Condensed SemiBold"/>
-              <a:ea typeface="Barlow Condensed SemiBold"/>
-              <a:cs typeface="Barlow Condensed SemiBold"/>
-              <a:sym typeface="Barlow Condensed SemiBold"/>
-            </a:endParaRPr>
+              <a:rPr lang="en"/>
+              <a:t>Gianni Bossini</a:t>
+            </a:r>
+            <a:endParaRPr lang="en" dirty="0"/>
           </a:p>
           <a:p>
             <a:pPr marL="0" lvl="0" indent="0" algn="ctr" rtl="0">
@@ -14181,7 +14170,7 @@
             </a:pPr>
             <a:r>
               <a:rPr lang="en" i="1" dirty="0"/>
-              <a:t>Brescia, 4 novembre 2025</a:t>
+              <a:t>Università degli Studi di Brescia, 4 novembre 2025</a:t>
             </a:r>
             <a:endParaRPr i="1" dirty="0">
               <a:latin typeface="Barlow Condensed SemiBold"/>
@@ -16669,25 +16658,7 @@
                 </a:solidFill>
                 <a:latin typeface="Comic Mono" pitchFamily="1" charset="0"/>
               </a:rPr>
-              <a:t> (Email, Password, FirstName, LastName) VALUES ('pippo@disney.com', 'clarabella', 'Pippo', 'De'' </a:t>
-            </a:r>
-            <a:r>
-              <a:rPr lang="en-US" sz="1600" dirty="0" err="1">
-                <a:solidFill>
-                  <a:srgbClr val="FF0000"/>
-                </a:solidFill>
-                <a:latin typeface="Comic Mono" pitchFamily="1" charset="0"/>
-              </a:rPr>
-              <a:t>Pippis</a:t>
-            </a:r>
-            <a:r>
-              <a:rPr lang="en-US" sz="1600" dirty="0">
-                <a:solidFill>
-                  <a:srgbClr val="FF0000"/>
-                </a:solidFill>
-                <a:latin typeface="Comic Mono" pitchFamily="1" charset="0"/>
-              </a:rPr>
-              <a:t>');--</a:t>
+              <a:t> (Email, Password, FirstName, LastName) VALUES ('arsenio@lupin.fr', 'LOUVRE', 'Arsenio', 'Lupin');--</a:t>
             </a:r>
             <a:r>
               <a:rPr lang="en-US" sz="1600" dirty="0">
@@ -16935,25 +16906,7 @@
                 </a:solidFill>
                 <a:latin typeface="Comic Mono" pitchFamily="1" charset="0"/>
               </a:rPr>
-              <a:t> (Email, Password, FirstName, LastName) VALUES ('pippo@disney.com', 'clarabella', 'Pippo', 'De'' </a:t>
-            </a:r>
-            <a:r>
-              <a:rPr lang="en-US" sz="1600" dirty="0" err="1">
-                <a:solidFill>
-                  <a:srgbClr val="FF0000"/>
-                </a:solidFill>
-                <a:latin typeface="Comic Mono" pitchFamily="1" charset="0"/>
-              </a:rPr>
-              <a:t>Pippis</a:t>
-            </a:r>
-            <a:r>
-              <a:rPr lang="en-US" sz="1600" dirty="0">
-                <a:solidFill>
-                  <a:srgbClr val="FF0000"/>
-                </a:solidFill>
-                <a:latin typeface="Comic Mono" pitchFamily="1" charset="0"/>
-              </a:rPr>
-              <a:t>');</a:t>
+              <a:t> (Email, Password, FirstName, LastName) VALUES ('arsenio@lupin.fr', 'LOUVRE', 'Arsenio', 'Lupin');</a:t>
             </a:r>
             <a:br>
               <a:rPr lang="en-US" sz="1600" dirty="0">
@@ -17355,7 +17308,7 @@
                 </a:solidFill>
                 <a:latin typeface="Comic Mono" pitchFamily="1" charset="0"/>
               </a:rPr>
-              <a:t> WHERE Email = 'pippo@disney.com') FROM </a:t>
+              <a:t> WHERE Email = 'arsenio@lupin.fr') FROM </a:t>
             </a:r>
             <a:r>
               <a:rPr lang="en-US" sz="1400" dirty="0" err="1">
@@ -17978,7 +17931,7 @@
                 </a:solidFill>
                 <a:latin typeface="Comic Mono" pitchFamily="1" charset="0"/>
               </a:rPr>
-              <a:t>) SELECT 'Corso di tango </a:t>
+              <a:t>) SELECT '</a:t>
             </a:r>
             <a:r>
               <a:rPr lang="en-US" sz="1400" dirty="0" err="1">
@@ -17987,7 +17940,7 @@
                 </a:solidFill>
                 <a:latin typeface="Comic Mono" pitchFamily="1" charset="0"/>
               </a:rPr>
-              <a:t>acrobatico</a:t>
+              <a:t>Sottrazione</a:t>
             </a:r>
             <a:r>
               <a:rPr lang="en-US" sz="1400" dirty="0">
@@ -17996,6 +17949,24 @@
                 </a:solidFill>
                 <a:latin typeface="Comic Mono" pitchFamily="1" charset="0"/>
               </a:rPr>
+              <a:t> di </a:t>
+            </a:r>
+            <a:r>
+              <a:rPr lang="en-US" sz="1400" dirty="0" err="1">
+                <a:solidFill>
+                  <a:srgbClr val="FF0000"/>
+                </a:solidFill>
+                <a:latin typeface="Comic Mono" pitchFamily="1" charset="0"/>
+              </a:rPr>
+              <a:t>gioielli</a:t>
+            </a:r>
+            <a:r>
+              <a:rPr lang="en-US" sz="1400" dirty="0">
+                <a:solidFill>
+                  <a:srgbClr val="FF0000"/>
+                </a:solidFill>
+                <a:latin typeface="Comic Mono" pitchFamily="1" charset="0"/>
+              </a:rPr>
               <a:t>', CAST(CURRENT_TIMESTAMP AS DATE), CAST(CURRENT_TIMESTAMP AS DATE), 30, (SELECT Id FROM </a:t>
             </a:r>
             <a:r>
@@ -18014,7 +17985,7 @@
                 </a:solidFill>
                 <a:latin typeface="Comic Mono" pitchFamily="1" charset="0"/>
               </a:rPr>
-              <a:t> WHERE Email = 'pippo@disney.com');--</a:t>
+              <a:t> WHERE Email = 'arsenio@lupin.fr');--</a:t>
             </a:r>
             <a:r>
               <a:rPr lang="en-US" sz="1400" dirty="0">
@@ -23127,7 +23098,7 @@
         </p:nvSpPr>
         <p:spPr>
           <a:xfrm>
-            <a:off x="1128450" y="2195169"/>
+            <a:off x="1114596" y="2195169"/>
             <a:ext cx="6887100" cy="2292051"/>
           </a:xfrm>
           <a:prstGeom prst="rect">
@@ -23326,7 +23297,7 @@
                 </a:solidFill>
                 <a:latin typeface="Comic Mono" pitchFamily="1" charset="0"/>
               </a:rPr>
-              <a:t> WHERE Email = 'pippo@disney.com'); DELETE FROM </a:t>
+              <a:t> WHERE Email = 'arsenio@lupin.fr'); DELETE FROM </a:t>
             </a:r>
             <a:r>
               <a:rPr lang="en-US" sz="1400" dirty="0" err="1">
@@ -23344,7 +23315,7 @@
                 </a:solidFill>
                 <a:latin typeface="Comic Mono" pitchFamily="1" charset="0"/>
               </a:rPr>
-              <a:t> WHERE Email = 'pippo@disney.com';--</a:t>
+              <a:t> WHERE Email = 'arsenio@lupin.fr';--</a:t>
             </a:r>
             <a:r>
               <a:rPr lang="en-US" sz="1400" dirty="0">
